--- a/app/src/main/assets/android_sensors.pptx
+++ b/app/src/main/assets/android_sensors.pptx
@@ -19,6 +19,7 @@
     <p:sldId id="267" r:id="rId13"/>
     <p:sldId id="268" r:id="rId14"/>
     <p:sldId id="269" r:id="rId15"/>
+    <p:sldId id="270" r:id="rId16"/>
   </p:sldIdLst>
   <p:sldSz cx="12192000" cy="6858000"/>
   <p:notesSz cx="6858000" cy="9144000"/>
@@ -12677,40 +12678,16 @@
           <a:p>
             <a:r>
               <a:rPr lang="fi-FI" dirty="0" smtClean="0"/>
-              <a:t>Sensoreiden saatavuus vaihtelee eri laitteiden välillä ja eri Android versioiden välillä. </a:t>
-            </a:r>
+              <a:t>Sensoreiden saatavuus vaihtelee eri laitteiden välillä ja eri Android versioiden välillä. Näin on, koska osa Android sensoreista on esitelty vasta uuden version julkaisun yhteydessä.</a:t>
+            </a:r>
+          </a:p>
+          <a:p>
+            <a:endParaRPr lang="fi-FI" dirty="0" smtClean="0"/>
+          </a:p>
+          <a:p>
             <a:r>
               <a:rPr lang="fi-FI" dirty="0" smtClean="0"/>
-              <a:t>Näin on, koska osa Android </a:t>
-            </a:r>
-            <a:r>
-              <a:rPr lang="fi-FI" dirty="0" smtClean="0"/>
-              <a:t>sensoreista on </a:t>
-            </a:r>
-            <a:r>
-              <a:rPr lang="fi-FI" dirty="0" smtClean="0"/>
-              <a:t>esitelty vasta uuden version julkaisun </a:t>
-            </a:r>
-            <a:r>
-              <a:rPr lang="fi-FI" dirty="0" smtClean="0"/>
-              <a:t>yhteydessä.</a:t>
-            </a:r>
-          </a:p>
-          <a:p>
-            <a:endParaRPr lang="fi-FI" dirty="0" smtClean="0"/>
-          </a:p>
-          <a:p>
-            <a:r>
-              <a:rPr lang="fi-FI" dirty="0" smtClean="0"/>
-              <a:t>Seuraavan sivun taulukosta </a:t>
-            </a:r>
-            <a:r>
-              <a:rPr lang="fi-FI" dirty="0" smtClean="0"/>
-              <a:t>näemme mitä sensoreita on käytettävissä missäkin </a:t>
-            </a:r>
-            <a:r>
-              <a:rPr lang="fi-FI" dirty="0" smtClean="0"/>
-              <a:t>API-versiossa</a:t>
+              <a:t>Seuraavan sivun taulukosta näemme mitä sensoreita on käytettävissä missäkin API-versiossa</a:t>
             </a:r>
             <a:r>
               <a:rPr lang="fi-FI" dirty="0"/>
@@ -12846,11 +12823,7 @@
           <a:p>
             <a:r>
               <a:rPr lang="fi-FI" dirty="0" smtClean="0"/>
-              <a:t>Android sensor </a:t>
-            </a:r>
-            <a:r>
-              <a:rPr lang="fi-FI" dirty="0" smtClean="0"/>
-              <a:t>framework – Esimerkki 1 </a:t>
+              <a:t>Android sensor framework – Esimerkki 1 </a:t>
             </a:r>
             <a:endParaRPr lang="fi-FI" dirty="0"/>
           </a:p>
@@ -12900,11 +12873,7 @@
             </a:r>
             <a:r>
               <a:rPr lang="fi-FI" dirty="0" smtClean="0"/>
-              <a:t>) </a:t>
-            </a:r>
-            <a:r>
-              <a:rPr lang="fi-FI" dirty="0" smtClean="0"/>
-              <a:t>sensori-palveluun (</a:t>
+              <a:t>) sensori-palveluun (</a:t>
             </a:r>
             <a:r>
               <a:rPr lang="fi-FI" i="1" dirty="0" smtClean="0"/>
@@ -12919,11 +12888,7 @@
             <a:pPr lvl="1"/>
             <a:r>
               <a:rPr lang="fi-FI" dirty="0" smtClean="0"/>
-              <a:t>Luodaan </a:t>
-            </a:r>
-            <a:r>
-              <a:rPr lang="fi-FI" dirty="0" smtClean="0"/>
-              <a:t>instanssi </a:t>
+              <a:t>Luodaan instanssi </a:t>
             </a:r>
             <a:r>
               <a:rPr lang="fi-FI" i="1" dirty="0" smtClean="0"/>
@@ -12961,7 +12926,6 @@
               <a:rPr lang="fi-FI" dirty="0" smtClean="0"/>
               <a:t>-metodia.</a:t>
             </a:r>
-            <a:endParaRPr lang="fi-FI" dirty="0" smtClean="0"/>
           </a:p>
           <a:p>
             <a:pPr lvl="1"/>
@@ -13064,11 +13028,7 @@
           <a:p>
             <a:r>
               <a:rPr lang="fi-FI" dirty="0" smtClean="0"/>
-              <a:t>Android sensor </a:t>
-            </a:r>
-            <a:r>
-              <a:rPr lang="fi-FI" dirty="0" smtClean="0"/>
-              <a:t>framework – Esimerkki 2</a:t>
+              <a:t>Android sensor framework – Esimerkki 2</a:t>
             </a:r>
             <a:endParaRPr lang="fi-FI" dirty="0"/>
           </a:p>
@@ -13175,11 +13135,7 @@
           <a:p>
             <a:r>
               <a:rPr lang="fi-FI" dirty="0" smtClean="0"/>
-              <a:t>Android sensor </a:t>
-            </a:r>
-            <a:r>
-              <a:rPr lang="fi-FI" dirty="0" smtClean="0"/>
-              <a:t>framework – Esimerkki 3</a:t>
+              <a:t>Android sensor framework – Esimerkki 3</a:t>
             </a:r>
             <a:endParaRPr lang="fi-FI" dirty="0"/>
           </a:p>
@@ -13224,6 +13180,235 @@
 </p:sld>
 </file>
 
+<file path=ppt/slides/slide15.xml><?xml version="1.0" encoding="utf-8"?>
+<p:sld xmlns:a="http://schemas.openxmlformats.org/drawingml/2006/main" xmlns:r="http://schemas.openxmlformats.org/officeDocument/2006/relationships" xmlns:p="http://schemas.openxmlformats.org/presentationml/2006/main">
+  <p:cSld>
+    <p:spTree>
+      <p:nvGrpSpPr>
+        <p:cNvPr id="1" name=""/>
+        <p:cNvGrpSpPr/>
+        <p:nvPr/>
+      </p:nvGrpSpPr>
+      <p:grpSpPr>
+        <a:xfrm>
+          <a:off x="0" y="0"/>
+          <a:ext cx="0" cy="0"/>
+          <a:chOff x="0" y="0"/>
+          <a:chExt cx="0" cy="0"/>
+        </a:xfrm>
+      </p:grpSpPr>
+      <p:sp>
+        <p:nvSpPr>
+          <p:cNvPr id="2" name="Title 1"/>
+          <p:cNvSpPr>
+            <a:spLocks noGrp="1"/>
+          </p:cNvSpPr>
+          <p:nvPr>
+            <p:ph type="title"/>
+          </p:nvPr>
+        </p:nvSpPr>
+        <p:spPr/>
+        <p:txBody>
+          <a:bodyPr/>
+          <a:lstStyle/>
+          <a:p>
+            <a:r>
+              <a:rPr lang="fi-FI" dirty="0" smtClean="0"/>
+              <a:t>Android sensor logger</a:t>
+            </a:r>
+            <a:endParaRPr lang="fi-FI" dirty="0"/>
+          </a:p>
+        </p:txBody>
+      </p:sp>
+      <p:pic>
+        <p:nvPicPr>
+          <p:cNvPr id="4" name="Content Placeholder 3"/>
+          <p:cNvPicPr>
+            <a:picLocks noGrp="1" noChangeAspect="1"/>
+          </p:cNvPicPr>
+          <p:nvPr>
+            <p:ph idx="1"/>
+          </p:nvPr>
+        </p:nvPicPr>
+        <p:blipFill>
+          <a:blip r:embed="rId2"/>
+          <a:stretch>
+            <a:fillRect/>
+          </a:stretch>
+        </p:blipFill>
+        <p:spPr>
+          <a:xfrm>
+            <a:off x="1141413" y="1686542"/>
+            <a:ext cx="2740122" cy="4871328"/>
+          </a:xfrm>
+          <a:prstGeom prst="rect">
+            <a:avLst/>
+          </a:prstGeom>
+        </p:spPr>
+      </p:pic>
+      <p:sp>
+        <p:nvSpPr>
+          <p:cNvPr id="5" name="TextBox 4"/>
+          <p:cNvSpPr txBox="1"/>
+          <p:nvPr/>
+        </p:nvSpPr>
+        <p:spPr>
+          <a:xfrm>
+            <a:off x="4292048" y="2267339"/>
+            <a:ext cx="6755363" cy="3416320"/>
+          </a:xfrm>
+          <a:prstGeom prst="rect">
+            <a:avLst/>
+          </a:prstGeom>
+          <a:noFill/>
+        </p:spPr>
+        <p:txBody>
+          <a:bodyPr wrap="square" rtlCol="0">
+            <a:spAutoFit/>
+          </a:bodyPr>
+          <a:lstStyle/>
+          <a:p>
+            <a:pPr marL="285750" indent="-285750">
+              <a:buFont typeface="Arial" panose="020B0604020202020204" pitchFamily="34" charset="0"/>
+              <a:buChar char="•"/>
+            </a:pPr>
+            <a:r>
+              <a:rPr lang="fi-FI" dirty="0" smtClean="0"/>
+              <a:t>Applikaatio kerää dataa kaikista Android-laitteesta löytyvistä sensoreista.</a:t>
+            </a:r>
+          </a:p>
+          <a:p>
+            <a:pPr marL="285750" indent="-285750">
+              <a:buFont typeface="Arial" panose="020B0604020202020204" pitchFamily="34" charset="0"/>
+              <a:buChar char="•"/>
+            </a:pPr>
+            <a:endParaRPr lang="fi-FI" dirty="0"/>
+          </a:p>
+          <a:p>
+            <a:pPr marL="285750" indent="-285750">
+              <a:buFont typeface="Arial" panose="020B0604020202020204" pitchFamily="34" charset="0"/>
+              <a:buChar char="•"/>
+            </a:pPr>
+            <a:r>
+              <a:rPr lang="fi-FI" dirty="0" smtClean="0"/>
+              <a:t>Sensoridata tallennetaan </a:t>
+            </a:r>
+            <a:r>
+              <a:rPr lang="fi-FI" i="1" dirty="0" smtClean="0"/>
+              <a:t>.CSV</a:t>
+            </a:r>
+            <a:r>
+              <a:rPr lang="fi-FI" dirty="0" smtClean="0"/>
+              <a:t>-tiedostoon sekä </a:t>
+            </a:r>
+            <a:r>
+              <a:rPr lang="fi-FI" i="1" dirty="0" smtClean="0"/>
+              <a:t>SQLite</a:t>
+            </a:r>
+            <a:r>
+              <a:rPr lang="fi-FI" dirty="0" smtClean="0"/>
+              <a:t>-tietokantaan.</a:t>
+            </a:r>
+          </a:p>
+          <a:p>
+            <a:pPr marL="285750" indent="-285750">
+              <a:buFont typeface="Arial" panose="020B0604020202020204" pitchFamily="34" charset="0"/>
+              <a:buChar char="•"/>
+            </a:pPr>
+            <a:endParaRPr lang="fi-FI" dirty="0"/>
+          </a:p>
+          <a:p>
+            <a:pPr marL="285750" indent="-285750">
+              <a:buFont typeface="Arial" panose="020B0604020202020204" pitchFamily="34" charset="0"/>
+              <a:buChar char="•"/>
+            </a:pPr>
+            <a:r>
+              <a:rPr lang="fi-FI" dirty="0" smtClean="0"/>
+              <a:t>Data visualisoidaan reaaliajassa </a:t>
+            </a:r>
+            <a:r>
+              <a:rPr lang="fi-FI" dirty="0"/>
+              <a:t>käyttämällä </a:t>
+            </a:r>
+            <a:r>
+              <a:rPr lang="fi-FI" i="1" dirty="0" smtClean="0"/>
+              <a:t>MPAndroidChart-</a:t>
+            </a:r>
+            <a:r>
+              <a:rPr lang="fi-FI" dirty="0"/>
+              <a:t>kirjastoa (</a:t>
+            </a:r>
+            <a:r>
+              <a:rPr lang="fi-FI" i="1" dirty="0">
+                <a:hlinkClick r:id="rId3"/>
+              </a:rPr>
+              <a:t>https://</a:t>
+            </a:r>
+            <a:r>
+              <a:rPr lang="fi-FI" i="1" dirty="0" smtClean="0">
+                <a:hlinkClick r:id="rId3"/>
+              </a:rPr>
+              <a:t>github.com/PhilJay/MPAndroidChart</a:t>
+            </a:r>
+            <a:r>
+              <a:rPr lang="fi-FI" dirty="0" smtClean="0"/>
+              <a:t>)</a:t>
+            </a:r>
+          </a:p>
+          <a:p>
+            <a:pPr marL="285750" indent="-285750">
+              <a:buFont typeface="Arial" panose="020B0604020202020204" pitchFamily="34" charset="0"/>
+              <a:buChar char="•"/>
+            </a:pPr>
+            <a:endParaRPr lang="fi-FI" i="1" dirty="0"/>
+          </a:p>
+          <a:p>
+            <a:pPr marL="285750" indent="-285750">
+              <a:buFont typeface="Arial" panose="020B0604020202020204" pitchFamily="34" charset="0"/>
+              <a:buChar char="•"/>
+            </a:pPr>
+            <a:r>
+              <a:rPr lang="fi-FI" dirty="0" smtClean="0"/>
+              <a:t>Mahdollista visualisoida dataa myös hakemalla se tietokannasta.</a:t>
+            </a:r>
+          </a:p>
+          <a:p>
+            <a:pPr marL="285750" indent="-285750">
+              <a:buFont typeface="Arial" panose="020B0604020202020204" pitchFamily="34" charset="0"/>
+              <a:buChar char="•"/>
+            </a:pPr>
+            <a:endParaRPr lang="fi-FI" dirty="0"/>
+          </a:p>
+          <a:p>
+            <a:pPr marL="285750" indent="-285750">
+              <a:buFont typeface="Arial" panose="020B0604020202020204" pitchFamily="34" charset="0"/>
+              <a:buChar char="•"/>
+            </a:pPr>
+            <a:r>
+              <a:rPr lang="fi-FI" dirty="0"/>
+              <a:t>K</a:t>
+            </a:r>
+            <a:r>
+              <a:rPr lang="fi-FI" dirty="0" smtClean="0"/>
+              <a:t>uvassa X-akselilla kulunut aika mittauksen alkamisesta sekunneissa. Y-akselilla magnetometrin X-akselin data.</a:t>
+            </a:r>
+            <a:endParaRPr lang="fi-FI" dirty="0"/>
+          </a:p>
+        </p:txBody>
+      </p:sp>
+    </p:spTree>
+    <p:extLst>
+      <p:ext uri="{BB962C8B-B14F-4D97-AF65-F5344CB8AC3E}">
+        <p14:creationId xmlns:p14="http://schemas.microsoft.com/office/powerpoint/2010/main" val="2035271351"/>
+      </p:ext>
+    </p:extLst>
+  </p:cSld>
+  <p:clrMapOvr>
+    <a:masterClrMapping/>
+  </p:clrMapOvr>
+</p:sld>
+</file>
+
 <file path=ppt/slides/slide2.xml><?xml version="1.0" encoding="utf-8"?>
 <p:sld xmlns:a="http://schemas.openxmlformats.org/drawingml/2006/main" xmlns:r="http://schemas.openxmlformats.org/officeDocument/2006/relationships" xmlns:p="http://schemas.openxmlformats.org/presentationml/2006/main">
   <p:cSld>
@@ -13288,54 +13473,26 @@
           <a:p>
             <a:r>
               <a:rPr lang="fi-FI" dirty="0" smtClean="0"/>
-              <a:t>Useimmissa Android-laitteissa sisäänrakennetut </a:t>
-            </a:r>
+              <a:t>Useimmissa Android-laitteissa sisäänrakennetut sensorit.</a:t>
+            </a:r>
+          </a:p>
+          <a:p>
             <a:r>
               <a:rPr lang="fi-FI" dirty="0" smtClean="0"/>
-              <a:t>sensorit.</a:t>
-            </a:r>
-            <a:endParaRPr lang="fi-FI" dirty="0" smtClean="0"/>
+              <a:t>Mittaavat liikettä, asentoa ja erilaisia ympäristömuuttujia.</a:t>
+            </a:r>
           </a:p>
           <a:p>
             <a:r>
               <a:rPr lang="fi-FI" dirty="0" smtClean="0"/>
-              <a:t>Mittaavat liikettä, asentoa ja erilaisia </a:t>
-            </a:r>
+              <a:t>Tarjoavat raaka-dataa korkealla tarkkuudella.</a:t>
+            </a:r>
+          </a:p>
+          <a:p>
             <a:r>
               <a:rPr lang="fi-FI" dirty="0" smtClean="0"/>
-              <a:t>ympäristömuuttujia.</a:t>
-            </a:r>
-            <a:endParaRPr lang="fi-FI" dirty="0" smtClean="0"/>
-          </a:p>
-          <a:p>
-            <a:r>
-              <a:rPr lang="fi-FI" dirty="0" smtClean="0"/>
-              <a:t>Tarjoavat </a:t>
-            </a:r>
-            <a:r>
-              <a:rPr lang="fi-FI" dirty="0" smtClean="0"/>
-              <a:t>raaka-dataa </a:t>
-            </a:r>
-            <a:r>
-              <a:rPr lang="fi-FI" dirty="0" smtClean="0"/>
-              <a:t>korkealla </a:t>
-            </a:r>
-            <a:r>
-              <a:rPr lang="fi-FI" dirty="0" smtClean="0"/>
-              <a:t>tarkkuudella.</a:t>
-            </a:r>
-            <a:endParaRPr lang="fi-FI" dirty="0" smtClean="0"/>
-          </a:p>
-          <a:p>
-            <a:r>
-              <a:rPr lang="fi-FI" dirty="0" smtClean="0"/>
-              <a:t>Käteviä kolmiulotteisen liikkeen / sijainnin seurantaan sekä ympäristön muutosten </a:t>
-            </a:r>
-            <a:r>
-              <a:rPr lang="fi-FI" dirty="0" smtClean="0"/>
-              <a:t>seurantaan.</a:t>
-            </a:r>
-            <a:endParaRPr lang="fi-FI" dirty="0" smtClean="0"/>
+              <a:t>Käteviä kolmiulotteisen liikkeen / sijainnin seurantaan sekä ympäristön muutosten seurantaan.</a:t>
+            </a:r>
           </a:p>
           <a:p>
             <a:endParaRPr lang="fi-FI" dirty="0"/>
@@ -13419,11 +13576,7 @@
           <a:p>
             <a:r>
               <a:rPr lang="fi-FI" dirty="0" smtClean="0"/>
-              <a:t>Sensorit jaoteltu kolmeen </a:t>
-            </a:r>
-            <a:r>
-              <a:rPr lang="fi-FI" dirty="0" smtClean="0"/>
-              <a:t>pääkategoriaan</a:t>
+              <a:t>Sensorit jaoteltu kolmeen pääkategoriaan</a:t>
             </a:r>
             <a:endParaRPr lang="fi-FI" dirty="0"/>
           </a:p>
@@ -13461,15 +13614,7 @@
             <a:pPr lvl="1"/>
             <a:r>
               <a:rPr lang="fi-FI" dirty="0" smtClean="0"/>
-              <a:t>Mittaavat kiihtyvyyttä sekä pyörimistä kolmen akselin avulla. </a:t>
-            </a:r>
-            <a:r>
-              <a:rPr lang="fi-FI" dirty="0" smtClean="0"/>
-              <a:t>Sisältää kiihtyvyysanturit</a:t>
-            </a:r>
-            <a:r>
-              <a:rPr lang="fi-FI" dirty="0" smtClean="0"/>
-              <a:t>, painovoima sensorit, gyroskoopit ja pyörimisanturit.</a:t>
+              <a:t>Mittaavat kiihtyvyyttä sekä pyörimistä kolmen akselin avulla. Sisältää kiihtyvyysanturit, painovoima sensorit, gyroskoopit ja pyörimisanturit.</a:t>
             </a:r>
           </a:p>
           <a:p>
@@ -13483,21 +13628,8 @@
             <a:pPr lvl="1"/>
             <a:r>
               <a:rPr lang="fi-FI" dirty="0" smtClean="0"/>
-              <a:t>Mittaavat erilaisia ympäristömuuttujia, kuten ilman lämpötilaa ja painetta, valaistusta ja kosteutta. </a:t>
-            </a:r>
-            <a:r>
-              <a:rPr lang="fi-FI" dirty="0" smtClean="0"/>
-              <a:t>Sisältää barometrit</a:t>
-            </a:r>
-            <a:r>
-              <a:rPr lang="fi-FI" dirty="0" smtClean="0"/>
-              <a:t>, fotometrit ja </a:t>
-            </a:r>
-            <a:r>
-              <a:rPr lang="fi-FI" dirty="0" smtClean="0"/>
-              <a:t>lämpömittarit.</a:t>
-            </a:r>
-            <a:endParaRPr lang="fi-FI" dirty="0" smtClean="0"/>
+              <a:t>Mittaavat erilaisia ympäristömuuttujia, kuten ilman lämpötilaa ja painetta, valaistusta ja kosteutta. Sisältää barometrit, fotometrit ja lämpömittarit.</a:t>
+            </a:r>
           </a:p>
           <a:p>
             <a:r>
@@ -13510,15 +13642,7 @@
             <a:pPr lvl="1"/>
             <a:r>
               <a:rPr lang="fi-FI" dirty="0" smtClean="0"/>
-              <a:t>Mittaavat laitteen fyysistä asentoa. </a:t>
-            </a:r>
-            <a:r>
-              <a:rPr lang="fi-FI" dirty="0" smtClean="0"/>
-              <a:t>Sisältää suuntautumis-sensorit </a:t>
-            </a:r>
-            <a:r>
-              <a:rPr lang="fi-FI" dirty="0" smtClean="0"/>
-              <a:t>ja magnetometrit.</a:t>
+              <a:t>Mittaavat laitteen fyysistä asentoa. Sisältää suuntautumis-sensorit ja magnetometrit.</a:t>
             </a:r>
           </a:p>
         </p:txBody>
@@ -13601,62 +13725,35 @@
           <a:p>
             <a:r>
               <a:rPr lang="fi-FI" dirty="0" smtClean="0"/>
-              <a:t>Pitää sisällään useita luokkia ja rajapintoja joiden avulla mahdollista </a:t>
-            </a:r>
+              <a:t>Pitää sisällään useita luokkia ja rajapintoja joiden avulla mahdollista suorittaa erinäisiä sensoreihin liittyviä toimintoja, kuten:</a:t>
+            </a:r>
+          </a:p>
+          <a:p>
+            <a:pPr lvl="1"/>
             <a:r>
               <a:rPr lang="fi-FI" dirty="0" smtClean="0"/>
-              <a:t>suorittaa erinäisiä </a:t>
-            </a:r>
+              <a:t>Android-laitteessa käytettävissä olevien sensoreiden määritys.</a:t>
+            </a:r>
+          </a:p>
+          <a:p>
+            <a:pPr lvl="1"/>
             <a:r>
               <a:rPr lang="fi-FI" dirty="0" smtClean="0"/>
-              <a:t>sensoreihin liittyviä toimintoja, kuten:</a:t>
+              <a:t>Yksittäisen sensorin kykyjen määrittäminen; maksimiarvot, valmistaja, virrankäyttö, tarkkuus jne.</a:t>
             </a:r>
           </a:p>
           <a:p>
             <a:pPr lvl="1"/>
             <a:r>
               <a:rPr lang="fi-FI" dirty="0" smtClean="0"/>
-              <a:t>Android-laitteessa käytettävissä olevien sensoreiden </a:t>
-            </a:r>
+              <a:t>Mahdollistaa raa’an sensoridatan lukemisen ja minimiarvojen määrittämisen.</a:t>
+            </a:r>
+          </a:p>
+          <a:p>
+            <a:pPr lvl="1"/>
             <a:r>
               <a:rPr lang="fi-FI" dirty="0" smtClean="0"/>
-              <a:t>määritys.</a:t>
-            </a:r>
-            <a:endParaRPr lang="fi-FI" dirty="0" smtClean="0"/>
-          </a:p>
-          <a:p>
-            <a:pPr lvl="1"/>
-            <a:r>
-              <a:rPr lang="fi-FI" dirty="0" smtClean="0"/>
-              <a:t>Yksittäisen sensorin kykyjen määrittäminen; maksimiarvot, valmistaja, virrankäyttö, tarkkuus </a:t>
-            </a:r>
-            <a:r>
-              <a:rPr lang="fi-FI" dirty="0" smtClean="0"/>
-              <a:t>jne.</a:t>
-            </a:r>
-            <a:endParaRPr lang="fi-FI" dirty="0" smtClean="0"/>
-          </a:p>
-          <a:p>
-            <a:pPr lvl="1"/>
-            <a:r>
-              <a:rPr lang="fi-FI" dirty="0" smtClean="0"/>
-              <a:t>Mahdollistaa raa’an sensoridatan lukemisen ja minimiarvojen </a:t>
-            </a:r>
-            <a:r>
-              <a:rPr lang="fi-FI" dirty="0" smtClean="0"/>
-              <a:t>määrittämisen.</a:t>
-            </a:r>
-            <a:endParaRPr lang="fi-FI" dirty="0" smtClean="0"/>
-          </a:p>
-          <a:p>
-            <a:pPr lvl="1"/>
-            <a:r>
-              <a:rPr lang="fi-FI" dirty="0" smtClean="0"/>
-              <a:t>Sensorin tapahtumakäsittelijöiden rekisteröinti ja </a:t>
-            </a:r>
-            <a:r>
-              <a:rPr lang="fi-FI" dirty="0" smtClean="0"/>
-              <a:t>peruminen.</a:t>
+              <a:t>Sensorin tapahtumakäsittelijöiden rekisteröinti ja peruminen.</a:t>
             </a:r>
             <a:endParaRPr lang="fi-FI" dirty="0"/>
           </a:p>
@@ -13739,28 +13836,15 @@
           <a:p>
             <a:r>
               <a:rPr lang="fi-FI" dirty="0" smtClean="0"/>
-              <a:t>Jotkin </a:t>
-            </a:r>
+              <a:t>Jotkin sensorit laitepohjaisia ja jotkut ohjelmistopohjaisia</a:t>
+            </a:r>
+          </a:p>
+          <a:p>
+            <a:pPr lvl="1"/>
             <a:r>
               <a:rPr lang="fi-FI" dirty="0" smtClean="0"/>
-              <a:t>sensorit </a:t>
-            </a:r>
-            <a:r>
-              <a:rPr lang="fi-FI" dirty="0" smtClean="0"/>
-              <a:t>laitepohjaisia ja jotkut ohjelmistopohjaisia</a:t>
-            </a:r>
-          </a:p>
-          <a:p>
-            <a:pPr lvl="1"/>
-            <a:r>
-              <a:rPr lang="fi-FI" dirty="0" smtClean="0"/>
-              <a:t>Laitepohjaiset sensorit fyysisiä komponentteja sisäänrakennettuna </a:t>
-            </a:r>
-            <a:r>
-              <a:rPr lang="fi-FI" dirty="0" smtClean="0"/>
-              <a:t>laitteeseen.</a:t>
-            </a:r>
-            <a:endParaRPr lang="fi-FI" dirty="0" smtClean="0"/>
+              <a:t>Laitepohjaiset sensorit fyysisiä komponentteja sisäänrakennettuna laitteeseen.</a:t>
+            </a:r>
           </a:p>
           <a:p>
             <a:pPr lvl="2"/>
@@ -13773,11 +13857,7 @@
             <a:pPr lvl="1"/>
             <a:r>
               <a:rPr lang="fi-FI" dirty="0" smtClean="0"/>
-              <a:t>Ohjelmistopohjaiset sensorit eivät ole fyysisiä </a:t>
-            </a:r>
-            <a:r>
-              <a:rPr lang="fi-FI" dirty="0" smtClean="0"/>
-              <a:t>laitteita</a:t>
+              <a:t>Ohjelmistopohjaiset sensorit eivät ole fyysisiä laitteita</a:t>
             </a:r>
           </a:p>
           <a:p>
@@ -13786,31 +13866,20 @@
               <a:rPr lang="fi-FI" dirty="0" smtClean="0"/>
               <a:t>Matkivat laitepohjaisten sensoreiden toimintaa.</a:t>
             </a:r>
-            <a:endParaRPr lang="fi-FI" dirty="0" smtClean="0"/>
           </a:p>
           <a:p>
             <a:pPr lvl="2"/>
             <a:r>
               <a:rPr lang="fi-FI" dirty="0" smtClean="0"/>
-              <a:t>Saavat datan yhdestä tai useammasta laitepohjaisesta </a:t>
-            </a:r>
+              <a:t>Saavat datan yhdestä tai useammasta laitepohjaisesta sensorista.</a:t>
+            </a:r>
+          </a:p>
+          <a:p>
+            <a:pPr lvl="2"/>
             <a:r>
               <a:rPr lang="fi-FI" dirty="0" smtClean="0"/>
-              <a:t>sensorista.</a:t>
-            </a:r>
-            <a:endParaRPr lang="fi-FI" dirty="0" smtClean="0"/>
-          </a:p>
-          <a:p>
-            <a:pPr lvl="2"/>
-            <a:r>
-              <a:rPr lang="fi-FI" dirty="0" smtClean="0"/>
-              <a:t>Kutsutaan myös nimellä ”virtual sensor” tai ”synthetic sensor</a:t>
-            </a:r>
-            <a:r>
-              <a:rPr lang="fi-FI" dirty="0" smtClean="0"/>
-              <a:t>”.</a:t>
-            </a:r>
-            <a:endParaRPr lang="fi-FI" dirty="0" smtClean="0"/>
+              <a:t>Kutsutaan myös nimellä ”virtual sensor” tai ”synthetic sensor”.</a:t>
+            </a:r>
           </a:p>
           <a:p>
             <a:pPr lvl="2"/>
@@ -13820,11 +13889,7 @@
             </a:r>
             <a:r>
               <a:rPr lang="fi-FI" dirty="0" smtClean="0"/>
-              <a:t> ovat mm. lineaarinen kiihtyvyysanturi ja </a:t>
-            </a:r>
-            <a:r>
-              <a:rPr lang="fi-FI" dirty="0" smtClean="0"/>
-              <a:t>painovoima-anturi.</a:t>
+              <a:t> ovat mm. lineaarinen kiihtyvyysanturi ja painovoima-anturi.</a:t>
             </a:r>
             <a:endParaRPr lang="fi-FI" dirty="0"/>
           </a:p>
@@ -13854,25 +13919,15 @@
             <a:pPr lvl="2"/>
             <a:r>
               <a:rPr lang="fi-FI" dirty="0" smtClean="0"/>
-              <a:t>Harvoissa barometrejä tai </a:t>
-            </a:r>
+              <a:t>Harvoissa barometrejä tai lämpöantureita.</a:t>
+            </a:r>
+          </a:p>
+          <a:p>
+            <a:pPr lvl="2"/>
             <a:r>
               <a:rPr lang="fi-FI" dirty="0" smtClean="0"/>
-              <a:t>lämpöantureita.</a:t>
-            </a:r>
-            <a:endParaRPr lang="fi-FI" dirty="0" smtClean="0"/>
-          </a:p>
-          <a:p>
-            <a:pPr lvl="2"/>
-            <a:r>
-              <a:rPr lang="fi-FI" dirty="0" smtClean="0"/>
-              <a:t>Laitteessa voi olla useita saman tyypin </a:t>
-            </a:r>
-            <a:r>
-              <a:rPr lang="fi-FI" dirty="0" smtClean="0"/>
-              <a:t>antureita.</a:t>
-            </a:r>
-            <a:endParaRPr lang="fi-FI" dirty="0" smtClean="0"/>
+              <a:t>Laitteessa voi olla useita saman tyypin antureita.</a:t>
+            </a:r>
           </a:p>
         </p:txBody>
       </p:sp>
@@ -14211,15 +14266,7 @@
           <a:p>
             <a:r>
               <a:rPr lang="fi-FI" dirty="0" smtClean="0"/>
-              <a:t>Sensor framework on osa android.hardware-pakettia ja sisältää seuraavat </a:t>
-            </a:r>
-            <a:r>
-              <a:rPr lang="fi-FI" dirty="0" smtClean="0"/>
-              <a:t>luokat / rajapinnat</a:t>
-            </a:r>
-            <a:r>
-              <a:rPr lang="fi-FI" dirty="0" smtClean="0"/>
-              <a:t>:</a:t>
+              <a:t>Sensor framework on osa android.hardware-pakettia ja sisältää seuraavat luokat / rajapinnat:</a:t>
             </a:r>
           </a:p>
           <a:p>
@@ -14238,11 +14285,7 @@
             </a:r>
             <a:r>
               <a:rPr lang="fi-FI" dirty="0" smtClean="0"/>
-              <a:t>nstanssin </a:t>
-            </a:r>
-            <a:r>
-              <a:rPr lang="fi-FI" dirty="0" smtClean="0"/>
-              <a:t>luomiseen sensori palvelusta. Tarjoaa metodit, joilla päästään kiinni sensoreihin ja rekisteröidään tapahtumankäsittelijät. Tarjoaa käytettäväksi erilaisia sensori-vakioita, joita voidaan käyttää sensorin tarkkuuden, tiedonkeruun ja kalibroinnin apuna.</a:t>
+              <a:t>nstanssin luomiseen sensori palvelusta. Tarjoaa metodit, joilla päästään kiinni sensoreihin ja rekisteröidään tapahtumankäsittelijät. Tarjoaa käytettäväksi erilaisia sensori-vakioita, joita voidaan käyttää sensorin tarkkuuden, tiedonkeruun ja kalibroinnin apuna.</a:t>
             </a:r>
           </a:p>
           <a:p>
@@ -14288,19 +14331,7 @@
             </a:r>
             <a:r>
               <a:rPr lang="fi-FI" dirty="0" smtClean="0"/>
-              <a:t>ventistä</a:t>
-            </a:r>
-            <a:r>
-              <a:rPr lang="fi-FI" dirty="0" smtClean="0"/>
-              <a:t>. Objekti sisältää raa’an sensoridatan, </a:t>
-            </a:r>
-            <a:r>
-              <a:rPr lang="fi-FI" dirty="0" smtClean="0"/>
-              <a:t>sensorityypin, joka </a:t>
-            </a:r>
-            <a:r>
-              <a:rPr lang="fi-FI" dirty="0" smtClean="0"/>
-              <a:t>laukaisi eventin, datan tarkkuuden ja aikaleiman.</a:t>
+              <a:t>ventistä. Objekti sisältää raa’an sensoridatan, sensorityypin, joka laukaisi eventin, datan tarkkuuden ja aikaleiman.</a:t>
             </a:r>
           </a:p>
           <a:p>
@@ -14323,11 +14354,7 @@
             </a:r>
             <a:r>
               <a:rPr lang="fi-FI" dirty="0" smtClean="0"/>
-              <a:t>allback-metodin </a:t>
-            </a:r>
-            <a:r>
-              <a:rPr lang="fi-FI" dirty="0" smtClean="0"/>
-              <a:t>luomiseen, joita kutsutaan kun sensorin arvot tai sensorin tarkkuus muuttuu.</a:t>
+              <a:t>allback-metodin luomiseen, joita kutsutaan kun sensorin arvot tai sensorin tarkkuus muuttuu.</a:t>
             </a:r>
           </a:p>
         </p:txBody>
@@ -14425,15 +14452,7 @@
           <a:p>
             <a:r>
               <a:rPr lang="fi-FI" dirty="0" smtClean="0"/>
-              <a:t>Tyypillisesti </a:t>
-            </a:r>
-            <a:r>
-              <a:rPr lang="fi-FI" dirty="0" smtClean="0"/>
-              <a:t>rajapintoja / luokkia </a:t>
-            </a:r>
-            <a:r>
-              <a:rPr lang="fi-FI" dirty="0" smtClean="0"/>
-              <a:t>käytetään kahteen asiaan:</a:t>
+              <a:t>Tyypillisesti rajapintoja / luokkia käytetään kahteen asiaan:</a:t>
             </a:r>
           </a:p>
           <a:p>
@@ -14451,17 +14470,8 @@
             </a:r>
             <a:r>
               <a:rPr lang="fi-FI" dirty="0" smtClean="0"/>
-              <a:t>ikäli</a:t>
-            </a:r>
-            <a:r>
-              <a:rPr lang="fi-FI" dirty="0" smtClean="0"/>
-              <a:t> </a:t>
-            </a:r>
-            <a:r>
-              <a:rPr lang="fi-FI" dirty="0" smtClean="0"/>
-              <a:t>applikaatiossa ominaisuuksia, jotka käyttävät tiettyä sensorityyppiä </a:t>
-            </a:r>
-            <a:endParaRPr lang="fi-FI" dirty="0" smtClean="0"/>
+              <a:t>ikäli applikaatiossa ominaisuuksia, jotka käyttävät tiettyä sensorityyppiä </a:t>
+            </a:r>
           </a:p>
           <a:p>
             <a:pPr lvl="3"/>
@@ -14469,13 +14479,7 @@
               <a:rPr lang="fi-FI" dirty="0" smtClean="0">
                 <a:sym typeface="Wingdings" panose="05000000000000000000" pitchFamily="2" charset="2"/>
               </a:rPr>
-              <a:t>Voidaan </a:t>
-            </a:r>
-            <a:r>
-              <a:rPr lang="fi-FI" dirty="0" smtClean="0">
-                <a:sym typeface="Wingdings" panose="05000000000000000000" pitchFamily="2" charset="2"/>
-              </a:rPr>
-              <a:t>muokata applikaation toimintaa sen mukaan, mitä sensoreita käytössä.</a:t>
+              <a:t>Voidaan muokata applikaation toimintaa sen mukaan, mitä sensoreita käytössä.</a:t>
             </a:r>
           </a:p>
           <a:p>
@@ -14489,22 +14493,14 @@
             <a:pPr lvl="2"/>
             <a:r>
               <a:rPr lang="fi-FI" dirty="0" smtClean="0"/>
-              <a:t>Tapahtumien seurannan avulla saadaan raaka-dataa </a:t>
-            </a:r>
+              <a:t>Tapahtumien seurannan avulla saadaan raaka-dataa sensoreilta:</a:t>
+            </a:r>
+          </a:p>
+          <a:p>
+            <a:pPr lvl="3"/>
             <a:r>
               <a:rPr lang="fi-FI" dirty="0" smtClean="0"/>
-              <a:t>sensoreilta:</a:t>
-            </a:r>
-          </a:p>
-          <a:p>
-            <a:pPr lvl="3"/>
-            <a:r>
-              <a:rPr lang="fi-FI" dirty="0" smtClean="0"/>
-              <a:t>Tapahtumakäsittelijä </a:t>
-            </a:r>
-            <a:r>
-              <a:rPr lang="fi-FI" dirty="0" smtClean="0"/>
-              <a:t>saa tiedon muutoksesta joka kerta kun sensori havaitsee muutoksen. Tapahtumasta selviää seuraavat tiedot:</a:t>
+              <a:t>Tapahtumakäsittelijä saa tiedon muutoksesta joka kerta kun sensori havaitsee muutoksen. Tapahtumasta selviää seuraavat tiedot:</a:t>
             </a:r>
           </a:p>
           <a:p>
